--- a/CS601 - Data Communication/index.pptx
+++ b/CS601 - Data Communication/index.pptx
@@ -5,11 +5,15 @@
     <p:sldMasterId id="2147483648" r:id="rId1"/>
   </p:sldMasterIdLst>
   <p:notesMasterIdLst>
-    <p:notesMasterId r:id="rId2"/>
+    <p:notesMasterId r:id="rId4"/>
   </p:notesMasterIdLst>
   <p:handoutMasterIdLst>
-    <p:handoutMasterId r:id="rId3"/>
+    <p:handoutMasterId r:id="rId5"/>
   </p:handoutMasterIdLst>
+  <p:sldIdLst>
+    <p:sldId id="256" r:id="rId2"/>
+    <p:sldId id="257" r:id="rId3"/>
+  </p:sldIdLst>
   <p:sldSz cx="7556500" cy="10693400"/>
   <p:notesSz cx="7556500" cy="10693400"/>
   <p:defaultTextStyle>
@@ -211,7 +215,7 @@
           <a:p>
             <a:fld id="{73B7013F-820A-40F9-A768-7BEB4545385F}" type="datetimeFigureOut">
               <a:rPr lang="en-AU" smtClean="0"/>
-              <a:t>21/11/2016</a:t>
+              <a:t>22/11/2016</a:t>
             </a:fld>
             <a:endParaRPr lang="en-AU"/>
           </a:p>
@@ -376,7 +380,7 @@
           <a:p>
             <a:fld id="{39DC63A7-166E-4609-8B49-C8F2F7609287}" type="datetimeFigureOut">
               <a:rPr lang="en-AU" smtClean="0"/>
-              <a:t>21/11/2016</a:t>
+              <a:t>22/11/2016</a:t>
             </a:fld>
             <a:endParaRPr lang="en-AU"/>
           </a:p>
@@ -644,6 +648,90 @@
 </p:notesMaster>
 </file>
 
+<file path=ppt/notesSlides/notesSlide1.xml><?xml version="1.0" encoding="utf-8"?>
+<p:notes xmlns:a="http://schemas.openxmlformats.org/drawingml/2006/main" xmlns:r="http://schemas.openxmlformats.org/officeDocument/2006/relationships" xmlns:p="http://schemas.openxmlformats.org/presentationml/2006/main">
+  <p:cSld>
+    <p:spTree>
+      <p:nvGrpSpPr>
+        <p:cNvPr id="1" name=""/>
+        <p:cNvGrpSpPr/>
+        <p:nvPr/>
+      </p:nvGrpSpPr>
+      <p:grpSpPr>
+        <a:xfrm>
+          <a:off x="0" y="0"/>
+          <a:ext cx="0" cy="0"/>
+          <a:chOff x="0" y="0"/>
+          <a:chExt cx="0" cy="0"/>
+        </a:xfrm>
+      </p:grpSpPr>
+      <p:sp>
+        <p:nvSpPr>
+          <p:cNvPr id="2" name="Slide Image Placeholder 1"/>
+          <p:cNvSpPr>
+            <a:spLocks noGrp="1" noRot="1" noChangeAspect="1"/>
+          </p:cNvSpPr>
+          <p:nvPr>
+            <p:ph type="sldImg"/>
+          </p:nvPr>
+        </p:nvSpPr>
+        <p:spPr/>
+      </p:sp>
+      <p:sp>
+        <p:nvSpPr>
+          <p:cNvPr id="3" name="Notes Placeholder 2"/>
+          <p:cNvSpPr>
+            <a:spLocks noGrp="1"/>
+          </p:cNvSpPr>
+          <p:nvPr>
+            <p:ph type="body" idx="1"/>
+          </p:nvPr>
+        </p:nvSpPr>
+        <p:spPr/>
+        <p:txBody>
+          <a:bodyPr/>
+          <a:lstStyle/>
+          <a:p>
+            <a:endParaRPr lang="en-AU"/>
+          </a:p>
+        </p:txBody>
+      </p:sp>
+      <p:sp>
+        <p:nvSpPr>
+          <p:cNvPr id="4" name="Slide Number Placeholder 3"/>
+          <p:cNvSpPr>
+            <a:spLocks noGrp="1"/>
+          </p:cNvSpPr>
+          <p:nvPr>
+            <p:ph type="sldNum" sz="quarter" idx="10"/>
+          </p:nvPr>
+        </p:nvSpPr>
+        <p:spPr/>
+        <p:txBody>
+          <a:bodyPr/>
+          <a:lstStyle/>
+          <a:p>
+            <a:fld id="{0FD8AB7D-E94E-4EDC-8D86-EB888FD9330D}" type="slidenum">
+              <a:rPr lang="en-AU" smtClean="0"/>
+              <a:t>2</a:t>
+            </a:fld>
+            <a:endParaRPr lang="en-AU"/>
+          </a:p>
+        </p:txBody>
+      </p:sp>
+    </p:spTree>
+    <p:extLst>
+      <p:ext uri="{BB962C8B-B14F-4D97-AF65-F5344CB8AC3E}">
+        <p14:creationId xmlns:p14="http://schemas.microsoft.com/office/powerpoint/2010/main" val="3091842491"/>
+      </p:ext>
+    </p:extLst>
+  </p:cSld>
+  <p:clrMapOvr>
+    <a:masterClrMapping/>
+  </p:clrMapOvr>
+</p:notes>
+</file>
+
 <file path=ppt/slideLayouts/slideLayout1.xml><?xml version="1.0" encoding="utf-8"?>
 <p:sldLayout xmlns:a="http://schemas.openxmlformats.org/drawingml/2006/main" xmlns:r="http://schemas.openxmlformats.org/officeDocument/2006/relationships" xmlns:p="http://schemas.openxmlformats.org/presentationml/2006/main" type="obj" preserve="1">
   <p:cSld name="Title Slide">
@@ -799,7 +887,7 @@
           <a:p>
             <a:fld id="{1D8BD707-D9CF-40AE-B4C6-C98DA3205C09}" type="datetimeFigureOut">
               <a:rPr lang="en-US"/>
-              <a:t>11/21/2016</a:t>
+              <a:t>11/22/2016</a:t>
             </a:fld>
             <a:endParaRPr lang="en-US"/>
           </a:p>
@@ -986,7 +1074,7 @@
           <a:p>
             <a:fld id="{1D8BD707-D9CF-40AE-B4C6-C98DA3205C09}" type="datetimeFigureOut">
               <a:rPr lang="en-US"/>
-              <a:t>11/21/2016</a:t>
+              <a:t>11/22/2016</a:t>
             </a:fld>
             <a:endParaRPr lang="en-US"/>
           </a:p>
@@ -1216,7 +1304,7 @@
           <a:p>
             <a:fld id="{1D8BD707-D9CF-40AE-B4C6-C98DA3205C09}" type="datetimeFigureOut">
               <a:rPr lang="en-US"/>
-              <a:t>11/21/2016</a:t>
+              <a:t>11/22/2016</a:t>
             </a:fld>
             <a:endParaRPr lang="en-US"/>
           </a:p>
@@ -1380,7 +1468,7 @@
           <a:p>
             <a:fld id="{1D8BD707-D9CF-40AE-B4C6-C98DA3205C09}" type="datetimeFigureOut">
               <a:rPr lang="en-US"/>
-              <a:t>11/21/2016</a:t>
+              <a:t>11/22/2016</a:t>
             </a:fld>
             <a:endParaRPr lang="en-US"/>
           </a:p>
@@ -1521,7 +1609,7 @@
           <a:p>
             <a:fld id="{1D8BD707-D9CF-40AE-B4C6-C98DA3205C09}" type="datetimeFigureOut">
               <a:rPr lang="en-US"/>
-              <a:t>11/21/2016</a:t>
+              <a:t>11/22/2016</a:t>
             </a:fld>
             <a:endParaRPr lang="en-US"/>
           </a:p>
@@ -1566,6 +1654,128 @@
         </p:txBody>
       </p:sp>
     </p:spTree>
+  </p:cSld>
+  <p:clrMapOvr>
+    <a:masterClrMapping/>
+  </p:clrMapOvr>
+</p:sldLayout>
+</file>
+
+<file path=ppt/slideLayouts/slideLayout6.xml><?xml version="1.0" encoding="utf-8"?>
+<p:sldLayout xmlns:a="http://schemas.openxmlformats.org/drawingml/2006/main" xmlns:r="http://schemas.openxmlformats.org/officeDocument/2006/relationships" xmlns:p="http://schemas.openxmlformats.org/presentationml/2006/main" userDrawn="1">
+  <p:cSld name="1_Blank">
+    <p:spTree>
+      <p:nvGrpSpPr>
+        <p:cNvPr id="1" name=""/>
+        <p:cNvGrpSpPr/>
+        <p:nvPr/>
+      </p:nvGrpSpPr>
+      <p:grpSpPr>
+        <a:xfrm>
+          <a:off x="0" y="0"/>
+          <a:ext cx="0" cy="0"/>
+          <a:chOff x="0" y="0"/>
+          <a:chExt cx="0" cy="0"/>
+        </a:xfrm>
+      </p:grpSpPr>
+      <p:sp>
+        <p:nvSpPr>
+          <p:cNvPr id="2" name="Date Placeholder 1"/>
+          <p:cNvSpPr>
+            <a:spLocks noGrp="1"/>
+          </p:cNvSpPr>
+          <p:nvPr>
+            <p:ph type="dt" sz="half" idx="10"/>
+          </p:nvPr>
+        </p:nvSpPr>
+        <p:spPr/>
+        <p:txBody>
+          <a:bodyPr/>
+          <a:lstStyle/>
+          <a:p>
+            <a:fld id="{E059C518-4387-4A64-BD3F-EAC2D541EA41}" type="datetimeFigureOut">
+              <a:rPr lang="en-AU" smtClean="0"/>
+              <a:t>22/11/2016</a:t>
+            </a:fld>
+            <a:endParaRPr lang="en-AU"/>
+          </a:p>
+        </p:txBody>
+      </p:sp>
+      <p:sp>
+        <p:nvSpPr>
+          <p:cNvPr id="3" name="Footer Placeholder 2"/>
+          <p:cNvSpPr>
+            <a:spLocks noGrp="1"/>
+          </p:cNvSpPr>
+          <p:nvPr>
+            <p:ph type="ftr" sz="quarter" idx="11"/>
+          </p:nvPr>
+        </p:nvSpPr>
+        <p:spPr/>
+        <p:txBody>
+          <a:bodyPr/>
+          <a:lstStyle/>
+          <a:p>
+            <a:endParaRPr lang="en-AU" dirty="0"/>
+          </a:p>
+        </p:txBody>
+      </p:sp>
+      <p:sp>
+        <p:nvSpPr>
+          <p:cNvPr id="4" name="Slide Number Placeholder 3"/>
+          <p:cNvSpPr>
+            <a:spLocks noGrp="1"/>
+          </p:cNvSpPr>
+          <p:nvPr>
+            <p:ph type="sldNum" sz="quarter" idx="12"/>
+          </p:nvPr>
+        </p:nvSpPr>
+        <p:spPr/>
+        <p:txBody>
+          <a:bodyPr/>
+          <a:lstStyle/>
+          <a:p>
+            <a:fld id="{74B8066E-5EB6-4F20-A506-30F7F8433F96}" type="slidenum">
+              <a:rPr lang="en-AU" smtClean="0"/>
+              <a:t>‹#›</a:t>
+            </a:fld>
+            <a:endParaRPr lang="en-AU"/>
+          </a:p>
+        </p:txBody>
+      </p:sp>
+      <p:sp>
+        <p:nvSpPr>
+          <p:cNvPr id="7" name="Title 6"/>
+          <p:cNvSpPr>
+            <a:spLocks noGrp="1"/>
+          </p:cNvSpPr>
+          <p:nvPr>
+            <p:ph type="title" hasCustomPrompt="1"/>
+          </p:nvPr>
+        </p:nvSpPr>
+        <p:spPr/>
+        <p:txBody>
+          <a:bodyPr/>
+          <a:lstStyle>
+            <a:lvl1pPr>
+              <a:defRPr/>
+            </a:lvl1pPr>
+          </a:lstStyle>
+          <a:p>
+            <a:r>
+              <a:rPr lang="en-US" dirty="0"/>
+              <a:t>title</a:t>
+            </a:r>
+            <a:endParaRPr lang="en-AU" dirty="0"/>
+          </a:p>
+        </p:txBody>
+      </p:sp>
+    </p:spTree>
+    <p:extLst>
+      <p:ext uri="{BB962C8B-B14F-4D97-AF65-F5344CB8AC3E}">
+        <p14:creationId xmlns:p14="http://schemas.microsoft.com/office/powerpoint/2010/main" val="1233175081"/>
+      </p:ext>
+    </p:extLst>
   </p:cSld>
   <p:clrMapOvr>
     <a:masterClrMapping/>
@@ -1756,7 +1966,7 @@
           <a:p>
             <a:fld id="{1D8BD707-D9CF-40AE-B4C6-C98DA3205C09}" type="datetimeFigureOut">
               <a:rPr lang="en-US"/>
-              <a:t>11/21/2016</a:t>
+              <a:t>11/22/2016</a:t>
             </a:fld>
             <a:endParaRPr lang="en-US"/>
           </a:p>
@@ -1819,6 +2029,7 @@
     <p:sldLayoutId id="2147483663" r:id="rId3"/>
     <p:sldLayoutId id="2147483664" r:id="rId4"/>
     <p:sldLayoutId id="2147483665" r:id="rId5"/>
+    <p:sldLayoutId id="2147483666" r:id="rId6"/>
   </p:sldLayoutIdLst>
   <p:txStyles>
     <p:titleStyle>
@@ -1962,6 +2173,1892 @@
     </p:otherStyle>
   </p:txStyles>
 </p:sldMaster>
+</file>
+
+<file path=ppt/slides/slide1.xml><?xml version="1.0" encoding="utf-8"?>
+<p:sld xmlns:a="http://schemas.openxmlformats.org/drawingml/2006/main" xmlns:r="http://schemas.openxmlformats.org/officeDocument/2006/relationships" xmlns:p="http://schemas.openxmlformats.org/presentationml/2006/main">
+  <p:cSld>
+    <p:spTree>
+      <p:nvGrpSpPr>
+        <p:cNvPr id="1" name=""/>
+        <p:cNvGrpSpPr/>
+        <p:nvPr/>
+      </p:nvGrpSpPr>
+      <p:grpSpPr>
+        <a:xfrm>
+          <a:off x="0" y="0"/>
+          <a:ext cx="0" cy="0"/>
+          <a:chOff x="0" y="0"/>
+          <a:chExt cx="0" cy="0"/>
+        </a:xfrm>
+      </p:grpSpPr>
+      <p:sp>
+        <p:nvSpPr>
+          <p:cNvPr id="2" name="object 2"/>
+          <p:cNvSpPr txBox="1"/>
+          <p:nvPr/>
+        </p:nvSpPr>
+        <p:spPr>
+          <a:xfrm>
+            <a:off x="2019554" y="4400537"/>
+            <a:ext cx="3750945" cy="377190"/>
+          </a:xfrm>
+          <a:prstGeom prst="rect">
+            <a:avLst/>
+          </a:prstGeom>
+        </p:spPr>
+        <p:txBody>
+          <a:bodyPr vert="horz" wrap="square" lIns="0" tIns="0" rIns="0" bIns="0" rtlCol="0">
+            <a:spAutoFit/>
+          </a:bodyPr>
+          <a:lstStyle/>
+          <a:p>
+            <a:pPr marL="12700">
+              <a:lnSpc>
+                <a:spcPct val="100000"/>
+              </a:lnSpc>
+            </a:pPr>
+            <a:r>
+              <a:rPr sz="2400" b="1" spc="-5" dirty="0">
+                <a:latin typeface="Times New Roman"/>
+                <a:cs typeface="Times New Roman"/>
+              </a:rPr>
+              <a:t>Data Communication</a:t>
+            </a:r>
+            <a:r>
+              <a:rPr sz="2400" b="1" spc="10" dirty="0">
+                <a:latin typeface="Times New Roman"/>
+                <a:cs typeface="Times New Roman"/>
+              </a:rPr>
+              <a:t> </a:t>
+            </a:r>
+            <a:r>
+              <a:rPr sz="2400" b="1" spc="-5" dirty="0">
+                <a:latin typeface="Times New Roman"/>
+                <a:cs typeface="Times New Roman"/>
+              </a:rPr>
+              <a:t>CS601</a:t>
+            </a:r>
+            <a:endParaRPr sz="2400">
+              <a:latin typeface="Times New Roman"/>
+              <a:cs typeface="Times New Roman"/>
+            </a:endParaRPr>
+          </a:p>
+        </p:txBody>
+      </p:sp>
+    </p:spTree>
+    <p:extLst>
+      <p:ext uri="{BB962C8B-B14F-4D97-AF65-F5344CB8AC3E}">
+        <p14:creationId xmlns:p14="http://schemas.microsoft.com/office/powerpoint/2010/main" val="704030415"/>
+      </p:ext>
+    </p:extLst>
+  </p:cSld>
+  <p:clrMapOvr>
+    <a:masterClrMapping/>
+  </p:clrMapOvr>
+</p:sld>
+</file>
+
+<file path=ppt/slides/slide2.xml><?xml version="1.0" encoding="utf-8"?>
+<p:sld xmlns:a="http://schemas.openxmlformats.org/drawingml/2006/main" xmlns:r="http://schemas.openxmlformats.org/officeDocument/2006/relationships" xmlns:p="http://schemas.openxmlformats.org/presentationml/2006/main">
+  <p:cSld>
+    <p:spTree>
+      <p:nvGrpSpPr>
+        <p:cNvPr id="1" name=""/>
+        <p:cNvGrpSpPr/>
+        <p:nvPr/>
+      </p:nvGrpSpPr>
+      <p:grpSpPr>
+        <a:xfrm>
+          <a:off x="0" y="0"/>
+          <a:ext cx="0" cy="0"/>
+          <a:chOff x="0" y="0"/>
+          <a:chExt cx="0" cy="0"/>
+        </a:xfrm>
+      </p:grpSpPr>
+      <p:sp>
+        <p:nvSpPr>
+          <p:cNvPr id="2" name="object 2"/>
+          <p:cNvSpPr txBox="1"/>
+          <p:nvPr/>
+        </p:nvSpPr>
+        <p:spPr>
+          <a:xfrm>
+            <a:off x="1130300" y="445007"/>
+            <a:ext cx="1799589" cy="194945"/>
+          </a:xfrm>
+          <a:prstGeom prst="rect">
+            <a:avLst/>
+          </a:prstGeom>
+        </p:spPr>
+        <p:txBody>
+          <a:bodyPr vert="horz" wrap="square" lIns="0" tIns="0" rIns="0" bIns="0" rtlCol="0">
+            <a:spAutoFit/>
+          </a:bodyPr>
+          <a:lstStyle/>
+          <a:p>
+            <a:pPr marL="12700">
+              <a:lnSpc>
+                <a:spcPct val="100000"/>
+              </a:lnSpc>
+            </a:pPr>
+            <a:r>
+              <a:rPr sz="1200" dirty="0">
+                <a:latin typeface="Times New Roman"/>
+                <a:cs typeface="Times New Roman"/>
+              </a:rPr>
+              <a:t>CS601-Data</a:t>
+            </a:r>
+            <a:r>
+              <a:rPr sz="1200" spc="-105" dirty="0">
+                <a:latin typeface="Times New Roman"/>
+                <a:cs typeface="Times New Roman"/>
+              </a:rPr>
+              <a:t> </a:t>
+            </a:r>
+            <a:r>
+              <a:rPr sz="1200" dirty="0">
+                <a:latin typeface="Times New Roman"/>
+                <a:cs typeface="Times New Roman"/>
+              </a:rPr>
+              <a:t>Communication</a:t>
+            </a:r>
+            <a:endParaRPr sz="1200">
+              <a:latin typeface="Times New Roman"/>
+              <a:cs typeface="Times New Roman"/>
+            </a:endParaRPr>
+          </a:p>
+        </p:txBody>
+      </p:sp>
+      <p:sp>
+        <p:nvSpPr>
+          <p:cNvPr id="3" name="object 3"/>
+          <p:cNvSpPr txBox="1"/>
+          <p:nvPr/>
+        </p:nvSpPr>
+        <p:spPr>
+          <a:xfrm>
+            <a:off x="6371335" y="445007"/>
+            <a:ext cx="245110" cy="194945"/>
+          </a:xfrm>
+          <a:prstGeom prst="rect">
+            <a:avLst/>
+          </a:prstGeom>
+        </p:spPr>
+        <p:txBody>
+          <a:bodyPr vert="horz" wrap="square" lIns="0" tIns="0" rIns="0" bIns="0" rtlCol="0">
+            <a:spAutoFit/>
+          </a:bodyPr>
+          <a:lstStyle/>
+          <a:p>
+            <a:pPr marL="12700">
+              <a:lnSpc>
+                <a:spcPct val="100000"/>
+              </a:lnSpc>
+            </a:pPr>
+            <a:r>
+              <a:rPr sz="1200" b="1" spc="-10" dirty="0">
+                <a:latin typeface="Times New Roman"/>
+                <a:cs typeface="Times New Roman"/>
+              </a:rPr>
+              <a:t>VU</a:t>
+            </a:r>
+            <a:endParaRPr sz="1200">
+              <a:latin typeface="Times New Roman"/>
+              <a:cs typeface="Times New Roman"/>
+            </a:endParaRPr>
+          </a:p>
+        </p:txBody>
+      </p:sp>
+      <p:sp>
+        <p:nvSpPr>
+          <p:cNvPr id="4" name="object 4"/>
+          <p:cNvSpPr/>
+          <p:nvPr/>
+        </p:nvSpPr>
+        <p:spPr>
+          <a:xfrm>
+            <a:off x="1143000" y="637794"/>
+            <a:ext cx="5486400" cy="0"/>
+          </a:xfrm>
+          <a:custGeom>
+            <a:avLst/>
+            <a:gdLst/>
+            <a:ahLst/>
+            <a:cxnLst/>
+            <a:rect l="l" t="t" r="r" b="b"/>
+            <a:pathLst>
+              <a:path w="5486400">
+                <a:moveTo>
+                  <a:pt x="0" y="0"/>
+                </a:moveTo>
+                <a:lnTo>
+                  <a:pt x="5486400" y="0"/>
+                </a:lnTo>
+              </a:path>
+            </a:pathLst>
+          </a:custGeom>
+          <a:ln w="9525">
+            <a:solidFill>
+              <a:srgbClr val="000000"/>
+            </a:solidFill>
+          </a:ln>
+        </p:spPr>
+        <p:txBody>
+          <a:bodyPr wrap="square" lIns="0" tIns="0" rIns="0" bIns="0" rtlCol="0"/>
+          <a:lstStyle/>
+          <a:p>
+            <a:endParaRPr/>
+          </a:p>
+        </p:txBody>
+      </p:sp>
+      <p:sp>
+        <p:nvSpPr>
+          <p:cNvPr id="5" name="object 5"/>
+          <p:cNvSpPr/>
+          <p:nvPr/>
+        </p:nvSpPr>
+        <p:spPr>
+          <a:xfrm>
+            <a:off x="1143000" y="9867900"/>
+            <a:ext cx="5486400" cy="0"/>
+          </a:xfrm>
+          <a:custGeom>
+            <a:avLst/>
+            <a:gdLst/>
+            <a:ahLst/>
+            <a:cxnLst/>
+            <a:rect l="l" t="t" r="r" b="b"/>
+            <a:pathLst>
+              <a:path w="5486400">
+                <a:moveTo>
+                  <a:pt x="0" y="0"/>
+                </a:moveTo>
+                <a:lnTo>
+                  <a:pt x="5486400" y="0"/>
+                </a:lnTo>
+              </a:path>
+            </a:pathLst>
+          </a:custGeom>
+          <a:ln w="9525">
+            <a:solidFill>
+              <a:srgbClr val="000000"/>
+            </a:solidFill>
+          </a:ln>
+        </p:spPr>
+        <p:txBody>
+          <a:bodyPr wrap="square" lIns="0" tIns="0" rIns="0" bIns="0" rtlCol="0"/>
+          <a:lstStyle/>
+          <a:p>
+            <a:endParaRPr/>
+          </a:p>
+        </p:txBody>
+      </p:sp>
+      <p:sp>
+        <p:nvSpPr>
+          <p:cNvPr id="6" name="object 6"/>
+          <p:cNvSpPr txBox="1"/>
+          <p:nvPr/>
+        </p:nvSpPr>
+        <p:spPr>
+          <a:xfrm>
+            <a:off x="1621027" y="932433"/>
+            <a:ext cx="4849495" cy="8430260"/>
+          </a:xfrm>
+          <a:prstGeom prst="rect">
+            <a:avLst/>
+          </a:prstGeom>
+        </p:spPr>
+        <p:txBody>
+          <a:bodyPr vert="horz" wrap="square" lIns="0" tIns="0" rIns="0" bIns="0" rtlCol="0">
+            <a:spAutoFit/>
+          </a:bodyPr>
+          <a:lstStyle/>
+          <a:p>
+            <a:pPr marL="189230" algn="ctr">
+              <a:lnSpc>
+                <a:spcPct val="100000"/>
+              </a:lnSpc>
+            </a:pPr>
+            <a:r>
+              <a:rPr sz="1400" b="1" spc="-5" dirty="0">
+                <a:latin typeface="Times New Roman"/>
+                <a:cs typeface="Times New Roman"/>
+              </a:rPr>
+              <a:t>Table of</a:t>
+            </a:r>
+            <a:r>
+              <a:rPr sz="1400" b="1" spc="-50" dirty="0">
+                <a:latin typeface="Times New Roman"/>
+                <a:cs typeface="Times New Roman"/>
+              </a:rPr>
+              <a:t> </a:t>
+            </a:r>
+            <a:r>
+              <a:rPr sz="1400" b="1" spc="-5" dirty="0">
+                <a:latin typeface="Times New Roman"/>
+                <a:cs typeface="Times New Roman"/>
+              </a:rPr>
+              <a:t>Contents</a:t>
+            </a:r>
+            <a:endParaRPr sz="1400">
+              <a:latin typeface="Times New Roman"/>
+              <a:cs typeface="Times New Roman"/>
+            </a:endParaRPr>
+          </a:p>
+          <a:p>
+            <a:pPr>
+              <a:lnSpc>
+                <a:spcPct val="100000"/>
+              </a:lnSpc>
+              <a:spcBef>
+                <a:spcPts val="10"/>
+              </a:spcBef>
+            </a:pPr>
+            <a:endParaRPr sz="2000">
+              <a:latin typeface="Times New Roman"/>
+              <a:cs typeface="Times New Roman"/>
+            </a:endParaRPr>
+          </a:p>
+          <a:p>
+            <a:pPr marL="12700" marR="5080" algn="just">
+              <a:lnSpc>
+                <a:spcPct val="104600"/>
+              </a:lnSpc>
+              <a:tabLst>
+                <a:tab pos="4625975" algn="l"/>
+                <a:tab pos="4695190" algn="l"/>
+                <a:tab pos="4741545" algn="l"/>
+              </a:tabLst>
+            </a:pPr>
+            <a:r>
+              <a:rPr sz="1200" dirty="0">
+                <a:latin typeface="Times New Roman"/>
+                <a:cs typeface="Times New Roman"/>
+              </a:rPr>
+              <a:t>Lecture</a:t>
+            </a:r>
+            <a:r>
+              <a:rPr sz="1200" spc="-5" dirty="0">
+                <a:latin typeface="Times New Roman"/>
+                <a:cs typeface="Times New Roman"/>
+              </a:rPr>
+              <a:t> </a:t>
+            </a:r>
+            <a:r>
+              <a:rPr sz="1200" dirty="0">
+                <a:latin typeface="Times New Roman"/>
+                <a:cs typeface="Times New Roman"/>
+              </a:rPr>
+              <a:t>No.</a:t>
+            </a:r>
+            <a:r>
+              <a:rPr sz="1200" spc="-5" dirty="0">
+                <a:latin typeface="Times New Roman"/>
+                <a:cs typeface="Times New Roman"/>
+              </a:rPr>
+              <a:t> </a:t>
+            </a:r>
+            <a:r>
+              <a:rPr sz="1200" dirty="0">
+                <a:latin typeface="Times New Roman"/>
+                <a:cs typeface="Times New Roman"/>
+              </a:rPr>
+              <a:t>1			3  </a:t>
+            </a:r>
+            <a:r>
+              <a:rPr sz="1100" spc="-5" dirty="0">
+                <a:latin typeface="Times New Roman"/>
+                <a:cs typeface="Times New Roman"/>
+              </a:rPr>
+              <a:t>Lecture</a:t>
+            </a:r>
+            <a:r>
+              <a:rPr sz="1100" dirty="0">
+                <a:latin typeface="Times New Roman"/>
+                <a:cs typeface="Times New Roman"/>
+              </a:rPr>
+              <a:t> </a:t>
+            </a:r>
+            <a:r>
+              <a:rPr sz="1100" spc="-5" dirty="0">
+                <a:latin typeface="Times New Roman"/>
+                <a:cs typeface="Times New Roman"/>
+              </a:rPr>
+              <a:t>No.</a:t>
+            </a:r>
+            <a:r>
+              <a:rPr sz="1100" dirty="0">
+                <a:latin typeface="Times New Roman"/>
+                <a:cs typeface="Times New Roman"/>
+              </a:rPr>
+              <a:t> </a:t>
+            </a:r>
+            <a:r>
+              <a:rPr sz="1100" spc="-5" dirty="0">
+                <a:latin typeface="Times New Roman"/>
+                <a:cs typeface="Times New Roman"/>
+              </a:rPr>
+              <a:t>2 </a:t>
+            </a:r>
+            <a:r>
+              <a:rPr sz="1100" dirty="0">
+                <a:latin typeface="Times New Roman"/>
+                <a:cs typeface="Times New Roman"/>
+              </a:rPr>
+              <a:t>		</a:t>
+            </a:r>
+            <a:r>
+              <a:rPr sz="1100" spc="-5" dirty="0">
+                <a:latin typeface="Times New Roman"/>
+                <a:cs typeface="Times New Roman"/>
+              </a:rPr>
+              <a:t>12  Lecture</a:t>
+            </a:r>
+            <a:r>
+              <a:rPr sz="1100" dirty="0">
+                <a:latin typeface="Times New Roman"/>
+                <a:cs typeface="Times New Roman"/>
+              </a:rPr>
+              <a:t> </a:t>
+            </a:r>
+            <a:r>
+              <a:rPr sz="1100" spc="-5" dirty="0">
+                <a:latin typeface="Times New Roman"/>
+                <a:cs typeface="Times New Roman"/>
+              </a:rPr>
+              <a:t>No.</a:t>
+            </a:r>
+            <a:r>
+              <a:rPr sz="1100" dirty="0">
+                <a:latin typeface="Times New Roman"/>
+                <a:cs typeface="Times New Roman"/>
+              </a:rPr>
+              <a:t> </a:t>
+            </a:r>
+            <a:r>
+              <a:rPr sz="1100" spc="-5" dirty="0">
+                <a:latin typeface="Times New Roman"/>
+                <a:cs typeface="Times New Roman"/>
+              </a:rPr>
+              <a:t>3 </a:t>
+            </a:r>
+            <a:r>
+              <a:rPr sz="1100" dirty="0">
+                <a:latin typeface="Times New Roman"/>
+                <a:cs typeface="Times New Roman"/>
+              </a:rPr>
+              <a:t>		</a:t>
+            </a:r>
+            <a:r>
+              <a:rPr sz="1100" spc="-5" dirty="0">
+                <a:latin typeface="Times New Roman"/>
+                <a:cs typeface="Times New Roman"/>
+              </a:rPr>
+              <a:t>17  Lecture</a:t>
+            </a:r>
+            <a:r>
+              <a:rPr sz="1100" dirty="0">
+                <a:latin typeface="Times New Roman"/>
+                <a:cs typeface="Times New Roman"/>
+              </a:rPr>
+              <a:t> </a:t>
+            </a:r>
+            <a:r>
+              <a:rPr sz="1100" spc="-5" dirty="0">
+                <a:latin typeface="Times New Roman"/>
+                <a:cs typeface="Times New Roman"/>
+              </a:rPr>
+              <a:t>No.</a:t>
+            </a:r>
+            <a:r>
+              <a:rPr sz="1100" dirty="0">
+                <a:latin typeface="Times New Roman"/>
+                <a:cs typeface="Times New Roman"/>
+              </a:rPr>
+              <a:t> </a:t>
+            </a:r>
+            <a:r>
+              <a:rPr sz="1100" spc="-5" dirty="0">
+                <a:latin typeface="Times New Roman"/>
+                <a:cs typeface="Times New Roman"/>
+              </a:rPr>
+              <a:t>4 </a:t>
+            </a:r>
+            <a:r>
+              <a:rPr sz="1100" dirty="0">
+                <a:latin typeface="Times New Roman"/>
+                <a:cs typeface="Times New Roman"/>
+              </a:rPr>
+              <a:t>		</a:t>
+            </a:r>
+            <a:r>
+              <a:rPr sz="1100" spc="-5" dirty="0">
+                <a:latin typeface="Times New Roman"/>
+                <a:cs typeface="Times New Roman"/>
+              </a:rPr>
+              <a:t>22  Lecture</a:t>
+            </a:r>
+            <a:r>
+              <a:rPr sz="1100" dirty="0">
+                <a:latin typeface="Times New Roman"/>
+                <a:cs typeface="Times New Roman"/>
+              </a:rPr>
+              <a:t> </a:t>
+            </a:r>
+            <a:r>
+              <a:rPr sz="1100" spc="-5" dirty="0">
+                <a:latin typeface="Times New Roman"/>
+                <a:cs typeface="Times New Roman"/>
+              </a:rPr>
+              <a:t>No.</a:t>
+            </a:r>
+            <a:r>
+              <a:rPr sz="1100" dirty="0">
+                <a:latin typeface="Times New Roman"/>
+                <a:cs typeface="Times New Roman"/>
+              </a:rPr>
+              <a:t> </a:t>
+            </a:r>
+            <a:r>
+              <a:rPr sz="1100" spc="-5" dirty="0">
+                <a:latin typeface="Times New Roman"/>
+                <a:cs typeface="Times New Roman"/>
+              </a:rPr>
+              <a:t>5 </a:t>
+            </a:r>
+            <a:r>
+              <a:rPr sz="1100" dirty="0">
+                <a:latin typeface="Times New Roman"/>
+                <a:cs typeface="Times New Roman"/>
+              </a:rPr>
+              <a:t>		</a:t>
+            </a:r>
+            <a:r>
+              <a:rPr sz="1100" spc="-5" dirty="0">
+                <a:latin typeface="Times New Roman"/>
+                <a:cs typeface="Times New Roman"/>
+              </a:rPr>
+              <a:t>28  Lecture</a:t>
+            </a:r>
+            <a:r>
+              <a:rPr sz="1100" dirty="0">
+                <a:latin typeface="Times New Roman"/>
+                <a:cs typeface="Times New Roman"/>
+              </a:rPr>
+              <a:t> </a:t>
+            </a:r>
+            <a:r>
+              <a:rPr sz="1100" spc="-5" dirty="0">
+                <a:latin typeface="Times New Roman"/>
+                <a:cs typeface="Times New Roman"/>
+              </a:rPr>
+              <a:t>No.</a:t>
+            </a:r>
+            <a:r>
+              <a:rPr sz="1100" dirty="0">
+                <a:latin typeface="Times New Roman"/>
+                <a:cs typeface="Times New Roman"/>
+              </a:rPr>
+              <a:t> </a:t>
+            </a:r>
+            <a:r>
+              <a:rPr sz="1100" spc="-5" dirty="0">
+                <a:latin typeface="Times New Roman"/>
+                <a:cs typeface="Times New Roman"/>
+              </a:rPr>
+              <a:t>6 </a:t>
+            </a:r>
+            <a:r>
+              <a:rPr sz="1100" dirty="0">
+                <a:latin typeface="Times New Roman"/>
+                <a:cs typeface="Times New Roman"/>
+              </a:rPr>
+              <a:t>		</a:t>
+            </a:r>
+            <a:r>
+              <a:rPr sz="1100" spc="-5" dirty="0">
+                <a:latin typeface="Times New Roman"/>
+                <a:cs typeface="Times New Roman"/>
+              </a:rPr>
+              <a:t>33  Lecture</a:t>
+            </a:r>
+            <a:r>
+              <a:rPr sz="1100" dirty="0">
+                <a:latin typeface="Times New Roman"/>
+                <a:cs typeface="Times New Roman"/>
+              </a:rPr>
+              <a:t> </a:t>
+            </a:r>
+            <a:r>
+              <a:rPr sz="1100" spc="-5" dirty="0">
+                <a:latin typeface="Times New Roman"/>
+                <a:cs typeface="Times New Roman"/>
+              </a:rPr>
+              <a:t>No.</a:t>
+            </a:r>
+            <a:r>
+              <a:rPr sz="1100" dirty="0">
+                <a:latin typeface="Times New Roman"/>
+                <a:cs typeface="Times New Roman"/>
+              </a:rPr>
+              <a:t> </a:t>
+            </a:r>
+            <a:r>
+              <a:rPr sz="1100" spc="-5" dirty="0">
+                <a:latin typeface="Times New Roman"/>
+                <a:cs typeface="Times New Roman"/>
+              </a:rPr>
+              <a:t>7 </a:t>
+            </a:r>
+            <a:r>
+              <a:rPr sz="1100" dirty="0">
+                <a:latin typeface="Times New Roman"/>
+                <a:cs typeface="Times New Roman"/>
+              </a:rPr>
+              <a:t>		</a:t>
+            </a:r>
+            <a:r>
+              <a:rPr sz="1100" spc="-5" dirty="0">
+                <a:latin typeface="Times New Roman"/>
+                <a:cs typeface="Times New Roman"/>
+              </a:rPr>
+              <a:t>39  Lecture</a:t>
+            </a:r>
+            <a:r>
+              <a:rPr sz="1100" dirty="0">
+                <a:latin typeface="Times New Roman"/>
+                <a:cs typeface="Times New Roman"/>
+              </a:rPr>
+              <a:t> </a:t>
+            </a:r>
+            <a:r>
+              <a:rPr sz="1100" spc="-5" dirty="0">
+                <a:latin typeface="Times New Roman"/>
+                <a:cs typeface="Times New Roman"/>
+              </a:rPr>
+              <a:t>No.</a:t>
+            </a:r>
+            <a:r>
+              <a:rPr sz="1100" dirty="0">
+                <a:latin typeface="Times New Roman"/>
+                <a:cs typeface="Times New Roman"/>
+              </a:rPr>
+              <a:t> </a:t>
+            </a:r>
+            <a:r>
+              <a:rPr sz="1100" spc="-5" dirty="0">
+                <a:latin typeface="Times New Roman"/>
+                <a:cs typeface="Times New Roman"/>
+              </a:rPr>
+              <a:t>8 </a:t>
+            </a:r>
+            <a:r>
+              <a:rPr sz="1100" dirty="0">
+                <a:latin typeface="Times New Roman"/>
+                <a:cs typeface="Times New Roman"/>
+              </a:rPr>
+              <a:t>		</a:t>
+            </a:r>
+            <a:r>
+              <a:rPr sz="1100" spc="-5" dirty="0">
+                <a:latin typeface="Times New Roman"/>
+                <a:cs typeface="Times New Roman"/>
+              </a:rPr>
+              <a:t>44  Lecture</a:t>
+            </a:r>
+            <a:r>
+              <a:rPr sz="1100" dirty="0">
+                <a:latin typeface="Times New Roman"/>
+                <a:cs typeface="Times New Roman"/>
+              </a:rPr>
+              <a:t> </a:t>
+            </a:r>
+            <a:r>
+              <a:rPr sz="1100" spc="-5" dirty="0">
+                <a:latin typeface="Times New Roman"/>
+                <a:cs typeface="Times New Roman"/>
+              </a:rPr>
+              <a:t>No.</a:t>
+            </a:r>
+            <a:r>
+              <a:rPr sz="1100" dirty="0">
+                <a:latin typeface="Times New Roman"/>
+                <a:cs typeface="Times New Roman"/>
+              </a:rPr>
+              <a:t> </a:t>
+            </a:r>
+            <a:r>
+              <a:rPr sz="1100" spc="-5" dirty="0">
+                <a:latin typeface="Times New Roman"/>
+                <a:cs typeface="Times New Roman"/>
+              </a:rPr>
+              <a:t>9 </a:t>
+            </a:r>
+            <a:r>
+              <a:rPr sz="1100" dirty="0">
+                <a:latin typeface="Times New Roman"/>
+                <a:cs typeface="Times New Roman"/>
+              </a:rPr>
+              <a:t>		</a:t>
+            </a:r>
+            <a:r>
+              <a:rPr sz="1100" spc="-5" dirty="0">
+                <a:latin typeface="Times New Roman"/>
+                <a:cs typeface="Times New Roman"/>
+              </a:rPr>
+              <a:t>49  Lecture</a:t>
+            </a:r>
+            <a:r>
+              <a:rPr sz="1100" dirty="0">
+                <a:latin typeface="Times New Roman"/>
+                <a:cs typeface="Times New Roman"/>
+              </a:rPr>
+              <a:t> </a:t>
+            </a:r>
+            <a:r>
+              <a:rPr sz="1100" spc="-5" dirty="0">
+                <a:latin typeface="Times New Roman"/>
+                <a:cs typeface="Times New Roman"/>
+              </a:rPr>
+              <a:t>No.</a:t>
+            </a:r>
+            <a:r>
+              <a:rPr sz="1100" dirty="0">
+                <a:latin typeface="Times New Roman"/>
+                <a:cs typeface="Times New Roman"/>
+              </a:rPr>
+              <a:t> </a:t>
+            </a:r>
+            <a:r>
+              <a:rPr sz="1100" spc="-5" dirty="0">
+                <a:latin typeface="Times New Roman"/>
+                <a:cs typeface="Times New Roman"/>
+              </a:rPr>
+              <a:t>10 </a:t>
+            </a:r>
+            <a:r>
+              <a:rPr sz="1100" dirty="0">
+                <a:latin typeface="Times New Roman"/>
+                <a:cs typeface="Times New Roman"/>
+              </a:rPr>
+              <a:t>		</a:t>
+            </a:r>
+            <a:r>
+              <a:rPr sz="1100" spc="-270" dirty="0">
+                <a:latin typeface="Times New Roman"/>
+                <a:cs typeface="Times New Roman"/>
+              </a:rPr>
+              <a:t> </a:t>
+            </a:r>
+            <a:r>
+              <a:rPr sz="1100" spc="-5" dirty="0">
+                <a:latin typeface="Times New Roman"/>
+                <a:cs typeface="Times New Roman"/>
+              </a:rPr>
+              <a:t>52  Lecture</a:t>
+            </a:r>
+            <a:r>
+              <a:rPr sz="1100" dirty="0">
+                <a:latin typeface="Times New Roman"/>
+                <a:cs typeface="Times New Roman"/>
+              </a:rPr>
+              <a:t> </a:t>
+            </a:r>
+            <a:r>
+              <a:rPr sz="1100" spc="-5" dirty="0">
+                <a:latin typeface="Times New Roman"/>
+                <a:cs typeface="Times New Roman"/>
+              </a:rPr>
+              <a:t>No.</a:t>
+            </a:r>
+            <a:r>
+              <a:rPr sz="1100" dirty="0">
+                <a:latin typeface="Times New Roman"/>
+                <a:cs typeface="Times New Roman"/>
+              </a:rPr>
+              <a:t> </a:t>
+            </a:r>
+            <a:r>
+              <a:rPr sz="1100" spc="-5" dirty="0">
+                <a:latin typeface="Times New Roman"/>
+                <a:cs typeface="Times New Roman"/>
+              </a:rPr>
+              <a:t>11 </a:t>
+            </a:r>
+            <a:r>
+              <a:rPr sz="1100" dirty="0">
+                <a:latin typeface="Times New Roman"/>
+                <a:cs typeface="Times New Roman"/>
+              </a:rPr>
+              <a:t>		</a:t>
+            </a:r>
+            <a:r>
+              <a:rPr sz="1100" spc="-270" dirty="0">
+                <a:latin typeface="Times New Roman"/>
+                <a:cs typeface="Times New Roman"/>
+              </a:rPr>
+              <a:t> </a:t>
+            </a:r>
+            <a:r>
+              <a:rPr sz="1100" spc="-5" dirty="0">
+                <a:latin typeface="Times New Roman"/>
+                <a:cs typeface="Times New Roman"/>
+              </a:rPr>
+              <a:t>56  Lecture</a:t>
+            </a:r>
+            <a:r>
+              <a:rPr sz="1100" dirty="0">
+                <a:latin typeface="Times New Roman"/>
+                <a:cs typeface="Times New Roman"/>
+              </a:rPr>
+              <a:t> </a:t>
+            </a:r>
+            <a:r>
+              <a:rPr sz="1100" spc="-5" dirty="0">
+                <a:latin typeface="Times New Roman"/>
+                <a:cs typeface="Times New Roman"/>
+              </a:rPr>
+              <a:t>No.</a:t>
+            </a:r>
+            <a:r>
+              <a:rPr sz="1100" dirty="0">
+                <a:latin typeface="Times New Roman"/>
+                <a:cs typeface="Times New Roman"/>
+              </a:rPr>
+              <a:t> </a:t>
+            </a:r>
+            <a:r>
+              <a:rPr sz="1100" spc="-5" dirty="0">
+                <a:latin typeface="Times New Roman"/>
+                <a:cs typeface="Times New Roman"/>
+              </a:rPr>
+              <a:t>12 </a:t>
+            </a:r>
+            <a:r>
+              <a:rPr sz="1100" dirty="0">
+                <a:latin typeface="Times New Roman"/>
+                <a:cs typeface="Times New Roman"/>
+              </a:rPr>
+              <a:t>		</a:t>
+            </a:r>
+            <a:r>
+              <a:rPr sz="1100" spc="-270" dirty="0">
+                <a:latin typeface="Times New Roman"/>
+                <a:cs typeface="Times New Roman"/>
+              </a:rPr>
+              <a:t> </a:t>
+            </a:r>
+            <a:r>
+              <a:rPr sz="1100" spc="-5" dirty="0">
+                <a:latin typeface="Times New Roman"/>
+                <a:cs typeface="Times New Roman"/>
+              </a:rPr>
+              <a:t>61  Lecture</a:t>
+            </a:r>
+            <a:r>
+              <a:rPr sz="1100" dirty="0">
+                <a:latin typeface="Times New Roman"/>
+                <a:cs typeface="Times New Roman"/>
+              </a:rPr>
+              <a:t> </a:t>
+            </a:r>
+            <a:r>
+              <a:rPr sz="1100" spc="-5" dirty="0">
+                <a:latin typeface="Times New Roman"/>
+                <a:cs typeface="Times New Roman"/>
+              </a:rPr>
+              <a:t>No.</a:t>
+            </a:r>
+            <a:r>
+              <a:rPr sz="1100" dirty="0">
+                <a:latin typeface="Times New Roman"/>
+                <a:cs typeface="Times New Roman"/>
+              </a:rPr>
+              <a:t> </a:t>
+            </a:r>
+            <a:r>
+              <a:rPr sz="1100" spc="-5" dirty="0">
+                <a:latin typeface="Times New Roman"/>
+                <a:cs typeface="Times New Roman"/>
+              </a:rPr>
+              <a:t>13 </a:t>
+            </a:r>
+            <a:r>
+              <a:rPr sz="1100" dirty="0">
+                <a:latin typeface="Times New Roman"/>
+                <a:cs typeface="Times New Roman"/>
+              </a:rPr>
+              <a:t>		</a:t>
+            </a:r>
+            <a:r>
+              <a:rPr sz="1100" spc="-270" dirty="0">
+                <a:latin typeface="Times New Roman"/>
+                <a:cs typeface="Times New Roman"/>
+              </a:rPr>
+              <a:t> </a:t>
+            </a:r>
+            <a:r>
+              <a:rPr sz="1100" spc="-5" dirty="0">
+                <a:latin typeface="Times New Roman"/>
+                <a:cs typeface="Times New Roman"/>
+              </a:rPr>
+              <a:t>66  Lecture</a:t>
+            </a:r>
+            <a:r>
+              <a:rPr sz="1100" dirty="0">
+                <a:latin typeface="Times New Roman"/>
+                <a:cs typeface="Times New Roman"/>
+              </a:rPr>
+              <a:t> </a:t>
+            </a:r>
+            <a:r>
+              <a:rPr sz="1100" spc="-5" dirty="0">
+                <a:latin typeface="Times New Roman"/>
+                <a:cs typeface="Times New Roman"/>
+              </a:rPr>
+              <a:t>No.</a:t>
+            </a:r>
+            <a:r>
+              <a:rPr sz="1100" dirty="0">
+                <a:latin typeface="Times New Roman"/>
+                <a:cs typeface="Times New Roman"/>
+              </a:rPr>
+              <a:t> </a:t>
+            </a:r>
+            <a:r>
+              <a:rPr sz="1100" spc="-5" dirty="0">
+                <a:latin typeface="Times New Roman"/>
+                <a:cs typeface="Times New Roman"/>
+              </a:rPr>
+              <a:t>14 </a:t>
+            </a:r>
+            <a:r>
+              <a:rPr sz="1100" dirty="0">
+                <a:latin typeface="Times New Roman"/>
+                <a:cs typeface="Times New Roman"/>
+              </a:rPr>
+              <a:t>		</a:t>
+            </a:r>
+            <a:r>
+              <a:rPr sz="1100" spc="-270" dirty="0">
+                <a:latin typeface="Times New Roman"/>
+                <a:cs typeface="Times New Roman"/>
+              </a:rPr>
+              <a:t> </a:t>
+            </a:r>
+            <a:r>
+              <a:rPr sz="1100" spc="-5" dirty="0">
+                <a:latin typeface="Times New Roman"/>
+                <a:cs typeface="Times New Roman"/>
+              </a:rPr>
+              <a:t>70  Lecture</a:t>
+            </a:r>
+            <a:r>
+              <a:rPr sz="1100" dirty="0">
+                <a:latin typeface="Times New Roman"/>
+                <a:cs typeface="Times New Roman"/>
+              </a:rPr>
+              <a:t> </a:t>
+            </a:r>
+            <a:r>
+              <a:rPr sz="1100" spc="-5" dirty="0">
+                <a:latin typeface="Times New Roman"/>
+                <a:cs typeface="Times New Roman"/>
+              </a:rPr>
+              <a:t>No.</a:t>
+            </a:r>
+            <a:r>
+              <a:rPr sz="1100" dirty="0">
+                <a:latin typeface="Times New Roman"/>
+                <a:cs typeface="Times New Roman"/>
+              </a:rPr>
+              <a:t> </a:t>
+            </a:r>
+            <a:r>
+              <a:rPr sz="1100" spc="-5" dirty="0">
+                <a:latin typeface="Times New Roman"/>
+                <a:cs typeface="Times New Roman"/>
+              </a:rPr>
+              <a:t>15 </a:t>
+            </a:r>
+            <a:r>
+              <a:rPr sz="1100" dirty="0">
+                <a:latin typeface="Times New Roman"/>
+                <a:cs typeface="Times New Roman"/>
+              </a:rPr>
+              <a:t>		</a:t>
+            </a:r>
+            <a:r>
+              <a:rPr sz="1100" spc="-270" dirty="0">
+                <a:latin typeface="Times New Roman"/>
+                <a:cs typeface="Times New Roman"/>
+              </a:rPr>
+              <a:t> </a:t>
+            </a:r>
+            <a:r>
+              <a:rPr sz="1100" spc="-5" dirty="0">
+                <a:latin typeface="Times New Roman"/>
+                <a:cs typeface="Times New Roman"/>
+              </a:rPr>
+              <a:t>75  Lecture</a:t>
+            </a:r>
+            <a:r>
+              <a:rPr sz="1100" dirty="0">
+                <a:latin typeface="Times New Roman"/>
+                <a:cs typeface="Times New Roman"/>
+              </a:rPr>
+              <a:t> </a:t>
+            </a:r>
+            <a:r>
+              <a:rPr sz="1100" spc="-5" dirty="0">
+                <a:latin typeface="Times New Roman"/>
+                <a:cs typeface="Times New Roman"/>
+              </a:rPr>
+              <a:t>No.</a:t>
+            </a:r>
+            <a:r>
+              <a:rPr sz="1100" dirty="0">
+                <a:latin typeface="Times New Roman"/>
+                <a:cs typeface="Times New Roman"/>
+              </a:rPr>
+              <a:t> </a:t>
+            </a:r>
+            <a:r>
+              <a:rPr sz="1100" spc="-5" dirty="0">
+                <a:latin typeface="Times New Roman"/>
+                <a:cs typeface="Times New Roman"/>
+              </a:rPr>
+              <a:t>16 </a:t>
+            </a:r>
+            <a:r>
+              <a:rPr sz="1100" dirty="0">
+                <a:latin typeface="Times New Roman"/>
+                <a:cs typeface="Times New Roman"/>
+              </a:rPr>
+              <a:t>		</a:t>
+            </a:r>
+            <a:r>
+              <a:rPr sz="1100" spc="-270" dirty="0">
+                <a:latin typeface="Times New Roman"/>
+                <a:cs typeface="Times New Roman"/>
+              </a:rPr>
+              <a:t> </a:t>
+            </a:r>
+            <a:r>
+              <a:rPr sz="1100" spc="-5" dirty="0">
+                <a:latin typeface="Times New Roman"/>
+                <a:cs typeface="Times New Roman"/>
+              </a:rPr>
+              <a:t>79  Lecture</a:t>
+            </a:r>
+            <a:r>
+              <a:rPr sz="1100" dirty="0">
+                <a:latin typeface="Times New Roman"/>
+                <a:cs typeface="Times New Roman"/>
+              </a:rPr>
+              <a:t> </a:t>
+            </a:r>
+            <a:r>
+              <a:rPr sz="1100" spc="-5" dirty="0">
+                <a:latin typeface="Times New Roman"/>
+                <a:cs typeface="Times New Roman"/>
+              </a:rPr>
+              <a:t>No.</a:t>
+            </a:r>
+            <a:r>
+              <a:rPr sz="1100" dirty="0">
+                <a:latin typeface="Times New Roman"/>
+                <a:cs typeface="Times New Roman"/>
+              </a:rPr>
+              <a:t> </a:t>
+            </a:r>
+            <a:r>
+              <a:rPr sz="1100" spc="-5" dirty="0">
+                <a:latin typeface="Times New Roman"/>
+                <a:cs typeface="Times New Roman"/>
+              </a:rPr>
+              <a:t>17 </a:t>
+            </a:r>
+            <a:r>
+              <a:rPr sz="1100" dirty="0">
+                <a:latin typeface="Times New Roman"/>
+                <a:cs typeface="Times New Roman"/>
+              </a:rPr>
+              <a:t>		</a:t>
+            </a:r>
+            <a:r>
+              <a:rPr sz="1100" spc="-270" dirty="0">
+                <a:latin typeface="Times New Roman"/>
+                <a:cs typeface="Times New Roman"/>
+              </a:rPr>
+              <a:t> </a:t>
+            </a:r>
+            <a:r>
+              <a:rPr sz="1100" spc="-5" dirty="0">
+                <a:latin typeface="Times New Roman"/>
+                <a:cs typeface="Times New Roman"/>
+              </a:rPr>
+              <a:t>84  Lecture</a:t>
+            </a:r>
+            <a:r>
+              <a:rPr sz="1100" dirty="0">
+                <a:latin typeface="Times New Roman"/>
+                <a:cs typeface="Times New Roman"/>
+              </a:rPr>
+              <a:t> </a:t>
+            </a:r>
+            <a:r>
+              <a:rPr sz="1100" spc="-5" dirty="0">
+                <a:latin typeface="Times New Roman"/>
+                <a:cs typeface="Times New Roman"/>
+              </a:rPr>
+              <a:t>No.</a:t>
+            </a:r>
+            <a:r>
+              <a:rPr sz="1100" dirty="0">
+                <a:latin typeface="Times New Roman"/>
+                <a:cs typeface="Times New Roman"/>
+              </a:rPr>
+              <a:t> </a:t>
+            </a:r>
+            <a:r>
+              <a:rPr sz="1100" spc="-5" dirty="0">
+                <a:latin typeface="Times New Roman"/>
+                <a:cs typeface="Times New Roman"/>
+              </a:rPr>
+              <a:t>18 </a:t>
+            </a:r>
+            <a:r>
+              <a:rPr sz="1100" dirty="0">
+                <a:latin typeface="Times New Roman"/>
+                <a:cs typeface="Times New Roman"/>
+              </a:rPr>
+              <a:t>		</a:t>
+            </a:r>
+            <a:r>
+              <a:rPr sz="1100" spc="-270" dirty="0">
+                <a:latin typeface="Times New Roman"/>
+                <a:cs typeface="Times New Roman"/>
+              </a:rPr>
+              <a:t> </a:t>
+            </a:r>
+            <a:r>
+              <a:rPr sz="1100" spc="-5" dirty="0">
+                <a:latin typeface="Times New Roman"/>
+                <a:cs typeface="Times New Roman"/>
+              </a:rPr>
+              <a:t>89  Lecture</a:t>
+            </a:r>
+            <a:r>
+              <a:rPr sz="1100" dirty="0">
+                <a:latin typeface="Times New Roman"/>
+                <a:cs typeface="Times New Roman"/>
+              </a:rPr>
+              <a:t> </a:t>
+            </a:r>
+            <a:r>
+              <a:rPr sz="1100" spc="-5" dirty="0">
+                <a:latin typeface="Times New Roman"/>
+                <a:cs typeface="Times New Roman"/>
+              </a:rPr>
+              <a:t>No.</a:t>
+            </a:r>
+            <a:r>
+              <a:rPr sz="1100" dirty="0">
+                <a:latin typeface="Times New Roman"/>
+                <a:cs typeface="Times New Roman"/>
+              </a:rPr>
+              <a:t> </a:t>
+            </a:r>
+            <a:r>
+              <a:rPr sz="1100" spc="-5" dirty="0">
+                <a:latin typeface="Times New Roman"/>
+                <a:cs typeface="Times New Roman"/>
+              </a:rPr>
+              <a:t>19 </a:t>
+            </a:r>
+            <a:r>
+              <a:rPr sz="1100" dirty="0">
+                <a:latin typeface="Times New Roman"/>
+                <a:cs typeface="Times New Roman"/>
+              </a:rPr>
+              <a:t>		</a:t>
+            </a:r>
+            <a:r>
+              <a:rPr sz="1100" spc="-270" dirty="0">
+                <a:latin typeface="Times New Roman"/>
+                <a:cs typeface="Times New Roman"/>
+              </a:rPr>
+              <a:t> </a:t>
+            </a:r>
+            <a:r>
+              <a:rPr sz="1100" spc="-5" dirty="0">
+                <a:latin typeface="Times New Roman"/>
+                <a:cs typeface="Times New Roman"/>
+              </a:rPr>
+              <a:t>95  Lecture</a:t>
+            </a:r>
+            <a:r>
+              <a:rPr sz="1100" dirty="0">
+                <a:latin typeface="Times New Roman"/>
+                <a:cs typeface="Times New Roman"/>
+              </a:rPr>
+              <a:t> </a:t>
+            </a:r>
+            <a:r>
+              <a:rPr sz="1100" spc="-5" dirty="0">
+                <a:latin typeface="Times New Roman"/>
+                <a:cs typeface="Times New Roman"/>
+              </a:rPr>
+              <a:t>No.</a:t>
+            </a:r>
+            <a:r>
+              <a:rPr sz="1100" dirty="0">
+                <a:latin typeface="Times New Roman"/>
+                <a:cs typeface="Times New Roman"/>
+              </a:rPr>
+              <a:t> </a:t>
+            </a:r>
+            <a:r>
+              <a:rPr sz="1100" spc="-5" dirty="0">
+                <a:latin typeface="Times New Roman"/>
+                <a:cs typeface="Times New Roman"/>
+              </a:rPr>
+              <a:t>20 </a:t>
+            </a:r>
+            <a:r>
+              <a:rPr sz="1100" dirty="0">
+                <a:latin typeface="Times New Roman"/>
+                <a:cs typeface="Times New Roman"/>
+              </a:rPr>
+              <a:t>		</a:t>
+            </a:r>
+            <a:r>
+              <a:rPr sz="1100" spc="-270" dirty="0">
+                <a:latin typeface="Times New Roman"/>
+                <a:cs typeface="Times New Roman"/>
+              </a:rPr>
+              <a:t> </a:t>
+            </a:r>
+            <a:r>
+              <a:rPr sz="1100" spc="-5" dirty="0">
+                <a:latin typeface="Times New Roman"/>
+                <a:cs typeface="Times New Roman"/>
+              </a:rPr>
+              <a:t>98  Lecture</a:t>
+            </a:r>
+            <a:r>
+              <a:rPr sz="1100" dirty="0">
+                <a:latin typeface="Times New Roman"/>
+                <a:cs typeface="Times New Roman"/>
+              </a:rPr>
+              <a:t> </a:t>
+            </a:r>
+            <a:r>
+              <a:rPr sz="1100" spc="-5" dirty="0">
+                <a:latin typeface="Times New Roman"/>
+                <a:cs typeface="Times New Roman"/>
+              </a:rPr>
+              <a:t>No.</a:t>
+            </a:r>
+            <a:r>
+              <a:rPr sz="1100" dirty="0">
+                <a:latin typeface="Times New Roman"/>
+                <a:cs typeface="Times New Roman"/>
+              </a:rPr>
+              <a:t> </a:t>
+            </a:r>
+            <a:r>
+              <a:rPr sz="1100" spc="-5" dirty="0">
+                <a:latin typeface="Times New Roman"/>
+                <a:cs typeface="Times New Roman"/>
+              </a:rPr>
+              <a:t>21 </a:t>
+            </a:r>
+            <a:r>
+              <a:rPr sz="1100" dirty="0">
+                <a:latin typeface="Times New Roman"/>
+                <a:cs typeface="Times New Roman"/>
+              </a:rPr>
+              <a:t>	</a:t>
+            </a:r>
+            <a:r>
+              <a:rPr sz="1100" spc="-5" dirty="0">
+                <a:latin typeface="Times New Roman"/>
+                <a:cs typeface="Times New Roman"/>
+              </a:rPr>
+              <a:t>101  Lecture</a:t>
+            </a:r>
+            <a:r>
+              <a:rPr sz="1100" dirty="0">
+                <a:latin typeface="Times New Roman"/>
+                <a:cs typeface="Times New Roman"/>
+              </a:rPr>
+              <a:t> </a:t>
+            </a:r>
+            <a:r>
+              <a:rPr sz="1100" spc="-5" dirty="0">
+                <a:latin typeface="Times New Roman"/>
+                <a:cs typeface="Times New Roman"/>
+              </a:rPr>
+              <a:t>No.</a:t>
+            </a:r>
+            <a:r>
+              <a:rPr sz="1100" dirty="0">
+                <a:latin typeface="Times New Roman"/>
+                <a:cs typeface="Times New Roman"/>
+              </a:rPr>
+              <a:t> </a:t>
+            </a:r>
+            <a:r>
+              <a:rPr sz="1100" spc="-5" dirty="0">
+                <a:latin typeface="Times New Roman"/>
+                <a:cs typeface="Times New Roman"/>
+              </a:rPr>
+              <a:t>22 </a:t>
+            </a:r>
+            <a:r>
+              <a:rPr sz="1100" dirty="0">
+                <a:latin typeface="Times New Roman"/>
+                <a:cs typeface="Times New Roman"/>
+              </a:rPr>
+              <a:t>	</a:t>
+            </a:r>
+            <a:r>
+              <a:rPr sz="1100" spc="-5" dirty="0">
+                <a:latin typeface="Times New Roman"/>
+                <a:cs typeface="Times New Roman"/>
+              </a:rPr>
+              <a:t>108  Lecture</a:t>
+            </a:r>
+            <a:r>
+              <a:rPr sz="1100" dirty="0">
+                <a:latin typeface="Times New Roman"/>
+                <a:cs typeface="Times New Roman"/>
+              </a:rPr>
+              <a:t> </a:t>
+            </a:r>
+            <a:r>
+              <a:rPr sz="1100" spc="-5" dirty="0">
+                <a:latin typeface="Times New Roman"/>
+                <a:cs typeface="Times New Roman"/>
+              </a:rPr>
+              <a:t>No.</a:t>
+            </a:r>
+            <a:r>
+              <a:rPr sz="1100" dirty="0">
+                <a:latin typeface="Times New Roman"/>
+                <a:cs typeface="Times New Roman"/>
+              </a:rPr>
+              <a:t> </a:t>
+            </a:r>
+            <a:r>
+              <a:rPr sz="1100" spc="-5" dirty="0">
+                <a:latin typeface="Times New Roman"/>
+                <a:cs typeface="Times New Roman"/>
+              </a:rPr>
+              <a:t>23 </a:t>
+            </a:r>
+            <a:r>
+              <a:rPr sz="1100" dirty="0">
+                <a:latin typeface="Times New Roman"/>
+                <a:cs typeface="Times New Roman"/>
+              </a:rPr>
+              <a:t>	</a:t>
+            </a:r>
+            <a:r>
+              <a:rPr sz="1100" spc="-5" dirty="0">
+                <a:latin typeface="Times New Roman"/>
+                <a:cs typeface="Times New Roman"/>
+              </a:rPr>
+              <a:t>114  Lecture</a:t>
+            </a:r>
+            <a:r>
+              <a:rPr sz="1100" dirty="0">
+                <a:latin typeface="Times New Roman"/>
+                <a:cs typeface="Times New Roman"/>
+              </a:rPr>
+              <a:t> </a:t>
+            </a:r>
+            <a:r>
+              <a:rPr sz="1100" spc="-5" dirty="0">
+                <a:latin typeface="Times New Roman"/>
+                <a:cs typeface="Times New Roman"/>
+              </a:rPr>
+              <a:t>No.</a:t>
+            </a:r>
+            <a:r>
+              <a:rPr sz="1100" dirty="0">
+                <a:latin typeface="Times New Roman"/>
+                <a:cs typeface="Times New Roman"/>
+              </a:rPr>
+              <a:t> </a:t>
+            </a:r>
+            <a:r>
+              <a:rPr sz="1100" spc="-5" dirty="0">
+                <a:latin typeface="Times New Roman"/>
+                <a:cs typeface="Times New Roman"/>
+              </a:rPr>
+              <a:t>24 </a:t>
+            </a:r>
+            <a:r>
+              <a:rPr sz="1100" dirty="0">
+                <a:latin typeface="Times New Roman"/>
+                <a:cs typeface="Times New Roman"/>
+              </a:rPr>
+              <a:t>	</a:t>
+            </a:r>
+            <a:r>
+              <a:rPr sz="1100" spc="-5" dirty="0">
+                <a:latin typeface="Times New Roman"/>
+                <a:cs typeface="Times New Roman"/>
+              </a:rPr>
+              <a:t>118  Lecture</a:t>
+            </a:r>
+            <a:r>
+              <a:rPr sz="1100" dirty="0">
+                <a:latin typeface="Times New Roman"/>
+                <a:cs typeface="Times New Roman"/>
+              </a:rPr>
+              <a:t> </a:t>
+            </a:r>
+            <a:r>
+              <a:rPr sz="1100" spc="-5" dirty="0">
+                <a:latin typeface="Times New Roman"/>
+                <a:cs typeface="Times New Roman"/>
+              </a:rPr>
+              <a:t>No.</a:t>
+            </a:r>
+            <a:r>
+              <a:rPr sz="1100" dirty="0">
+                <a:latin typeface="Times New Roman"/>
+                <a:cs typeface="Times New Roman"/>
+              </a:rPr>
+              <a:t> </a:t>
+            </a:r>
+            <a:r>
+              <a:rPr sz="1100" spc="-5" dirty="0">
+                <a:latin typeface="Times New Roman"/>
+                <a:cs typeface="Times New Roman"/>
+              </a:rPr>
+              <a:t>25 </a:t>
+            </a:r>
+            <a:r>
+              <a:rPr sz="1100" dirty="0">
+                <a:latin typeface="Times New Roman"/>
+                <a:cs typeface="Times New Roman"/>
+              </a:rPr>
+              <a:t>	</a:t>
+            </a:r>
+            <a:r>
+              <a:rPr sz="1100" spc="-5" dirty="0">
+                <a:latin typeface="Times New Roman"/>
+                <a:cs typeface="Times New Roman"/>
+              </a:rPr>
+              <a:t>124  Lecture</a:t>
+            </a:r>
+            <a:r>
+              <a:rPr sz="1100" dirty="0">
+                <a:latin typeface="Times New Roman"/>
+                <a:cs typeface="Times New Roman"/>
+              </a:rPr>
+              <a:t> </a:t>
+            </a:r>
+            <a:r>
+              <a:rPr sz="1100" spc="-5" dirty="0">
+                <a:latin typeface="Times New Roman"/>
+                <a:cs typeface="Times New Roman"/>
+              </a:rPr>
+              <a:t>No.</a:t>
+            </a:r>
+            <a:r>
+              <a:rPr sz="1100" dirty="0">
+                <a:latin typeface="Times New Roman"/>
+                <a:cs typeface="Times New Roman"/>
+              </a:rPr>
+              <a:t> </a:t>
+            </a:r>
+            <a:r>
+              <a:rPr sz="1100" spc="-5" dirty="0">
+                <a:latin typeface="Times New Roman"/>
+                <a:cs typeface="Times New Roman"/>
+              </a:rPr>
+              <a:t>26 </a:t>
+            </a:r>
+            <a:r>
+              <a:rPr sz="1100" dirty="0">
+                <a:latin typeface="Times New Roman"/>
+                <a:cs typeface="Times New Roman"/>
+              </a:rPr>
+              <a:t>	</a:t>
+            </a:r>
+            <a:r>
+              <a:rPr sz="1100" spc="-5" dirty="0">
+                <a:latin typeface="Times New Roman"/>
+                <a:cs typeface="Times New Roman"/>
+              </a:rPr>
+              <a:t>130  Lecture</a:t>
+            </a:r>
+            <a:r>
+              <a:rPr sz="1100" dirty="0">
+                <a:latin typeface="Times New Roman"/>
+                <a:cs typeface="Times New Roman"/>
+              </a:rPr>
+              <a:t> </a:t>
+            </a:r>
+            <a:r>
+              <a:rPr sz="1100" spc="-5" dirty="0">
+                <a:latin typeface="Times New Roman"/>
+                <a:cs typeface="Times New Roman"/>
+              </a:rPr>
+              <a:t>No.</a:t>
+            </a:r>
+            <a:r>
+              <a:rPr sz="1100" dirty="0">
+                <a:latin typeface="Times New Roman"/>
+                <a:cs typeface="Times New Roman"/>
+              </a:rPr>
+              <a:t> </a:t>
+            </a:r>
+            <a:r>
+              <a:rPr sz="1100" spc="-5" dirty="0">
+                <a:latin typeface="Times New Roman"/>
+                <a:cs typeface="Times New Roman"/>
+              </a:rPr>
+              <a:t>27 </a:t>
+            </a:r>
+            <a:r>
+              <a:rPr sz="1100" dirty="0">
+                <a:latin typeface="Times New Roman"/>
+                <a:cs typeface="Times New Roman"/>
+              </a:rPr>
+              <a:t>	</a:t>
+            </a:r>
+            <a:r>
+              <a:rPr sz="1100" spc="-5" dirty="0">
+                <a:latin typeface="Times New Roman"/>
+                <a:cs typeface="Times New Roman"/>
+              </a:rPr>
+              <a:t>135  Lecture</a:t>
+            </a:r>
+            <a:r>
+              <a:rPr sz="1100" dirty="0">
+                <a:latin typeface="Times New Roman"/>
+                <a:cs typeface="Times New Roman"/>
+              </a:rPr>
+              <a:t> </a:t>
+            </a:r>
+            <a:r>
+              <a:rPr sz="1100" spc="-5" dirty="0">
+                <a:latin typeface="Times New Roman"/>
+                <a:cs typeface="Times New Roman"/>
+              </a:rPr>
+              <a:t>No.</a:t>
+            </a:r>
+            <a:r>
+              <a:rPr sz="1100" dirty="0">
+                <a:latin typeface="Times New Roman"/>
+                <a:cs typeface="Times New Roman"/>
+              </a:rPr>
+              <a:t> </a:t>
+            </a:r>
+            <a:r>
+              <a:rPr sz="1100" spc="-5" dirty="0">
+                <a:latin typeface="Times New Roman"/>
+                <a:cs typeface="Times New Roman"/>
+              </a:rPr>
+              <a:t>28 </a:t>
+            </a:r>
+            <a:r>
+              <a:rPr sz="1100" dirty="0">
+                <a:latin typeface="Times New Roman"/>
+                <a:cs typeface="Times New Roman"/>
+              </a:rPr>
+              <a:t>	</a:t>
+            </a:r>
+            <a:r>
+              <a:rPr sz="1100" spc="-5" dirty="0">
+                <a:latin typeface="Times New Roman"/>
+                <a:cs typeface="Times New Roman"/>
+              </a:rPr>
+              <a:t>142  Lecture</a:t>
+            </a:r>
+            <a:r>
+              <a:rPr sz="1100" dirty="0">
+                <a:latin typeface="Times New Roman"/>
+                <a:cs typeface="Times New Roman"/>
+              </a:rPr>
+              <a:t> </a:t>
+            </a:r>
+            <a:r>
+              <a:rPr sz="1100" spc="-5" dirty="0">
+                <a:latin typeface="Times New Roman"/>
+                <a:cs typeface="Times New Roman"/>
+              </a:rPr>
+              <a:t>No.</a:t>
+            </a:r>
+            <a:r>
+              <a:rPr sz="1100" dirty="0">
+                <a:latin typeface="Times New Roman"/>
+                <a:cs typeface="Times New Roman"/>
+              </a:rPr>
+              <a:t> </a:t>
+            </a:r>
+            <a:r>
+              <a:rPr sz="1100" spc="-5" dirty="0">
+                <a:latin typeface="Times New Roman"/>
+                <a:cs typeface="Times New Roman"/>
+              </a:rPr>
+              <a:t>29 </a:t>
+            </a:r>
+            <a:r>
+              <a:rPr sz="1100" dirty="0">
+                <a:latin typeface="Times New Roman"/>
+                <a:cs typeface="Times New Roman"/>
+              </a:rPr>
+              <a:t>	</a:t>
+            </a:r>
+            <a:r>
+              <a:rPr sz="1100" spc="-5" dirty="0">
+                <a:latin typeface="Times New Roman"/>
+                <a:cs typeface="Times New Roman"/>
+              </a:rPr>
+              <a:t>146  Lecture</a:t>
+            </a:r>
+            <a:r>
+              <a:rPr sz="1100" dirty="0">
+                <a:latin typeface="Times New Roman"/>
+                <a:cs typeface="Times New Roman"/>
+              </a:rPr>
+              <a:t> </a:t>
+            </a:r>
+            <a:r>
+              <a:rPr sz="1100" spc="-5" dirty="0">
+                <a:latin typeface="Times New Roman"/>
+                <a:cs typeface="Times New Roman"/>
+              </a:rPr>
+              <a:t>No.</a:t>
+            </a:r>
+            <a:r>
+              <a:rPr sz="1100" dirty="0">
+                <a:latin typeface="Times New Roman"/>
+                <a:cs typeface="Times New Roman"/>
+              </a:rPr>
+              <a:t> </a:t>
+            </a:r>
+            <a:r>
+              <a:rPr sz="1100" spc="-5" dirty="0">
+                <a:latin typeface="Times New Roman"/>
+                <a:cs typeface="Times New Roman"/>
+              </a:rPr>
+              <a:t>30 </a:t>
+            </a:r>
+            <a:r>
+              <a:rPr sz="1100" dirty="0">
+                <a:latin typeface="Times New Roman"/>
+                <a:cs typeface="Times New Roman"/>
+              </a:rPr>
+              <a:t>	</a:t>
+            </a:r>
+            <a:r>
+              <a:rPr sz="1100" spc="-5" dirty="0">
+                <a:latin typeface="Times New Roman"/>
+                <a:cs typeface="Times New Roman"/>
+              </a:rPr>
+              <a:t>156  Lecture</a:t>
+            </a:r>
+            <a:r>
+              <a:rPr sz="1100" dirty="0">
+                <a:latin typeface="Times New Roman"/>
+                <a:cs typeface="Times New Roman"/>
+              </a:rPr>
+              <a:t> </a:t>
+            </a:r>
+            <a:r>
+              <a:rPr sz="1100" spc="-5" dirty="0">
+                <a:latin typeface="Times New Roman"/>
+                <a:cs typeface="Times New Roman"/>
+              </a:rPr>
+              <a:t>No.</a:t>
+            </a:r>
+            <a:r>
+              <a:rPr sz="1100" dirty="0">
+                <a:latin typeface="Times New Roman"/>
+                <a:cs typeface="Times New Roman"/>
+              </a:rPr>
+              <a:t> </a:t>
+            </a:r>
+            <a:r>
+              <a:rPr sz="1100" spc="-5" dirty="0">
+                <a:latin typeface="Times New Roman"/>
+                <a:cs typeface="Times New Roman"/>
+              </a:rPr>
+              <a:t>31 </a:t>
+            </a:r>
+            <a:r>
+              <a:rPr sz="1100" dirty="0">
+                <a:latin typeface="Times New Roman"/>
+                <a:cs typeface="Times New Roman"/>
+              </a:rPr>
+              <a:t>	</a:t>
+            </a:r>
+            <a:r>
+              <a:rPr sz="1100" spc="-5" dirty="0">
+                <a:latin typeface="Times New Roman"/>
+                <a:cs typeface="Times New Roman"/>
+              </a:rPr>
+              <a:t>160  Lecture</a:t>
+            </a:r>
+            <a:r>
+              <a:rPr sz="1100" dirty="0">
+                <a:latin typeface="Times New Roman"/>
+                <a:cs typeface="Times New Roman"/>
+              </a:rPr>
+              <a:t> </a:t>
+            </a:r>
+            <a:r>
+              <a:rPr sz="1100" spc="-5" dirty="0">
+                <a:latin typeface="Times New Roman"/>
+                <a:cs typeface="Times New Roman"/>
+              </a:rPr>
+              <a:t>No.</a:t>
+            </a:r>
+            <a:r>
+              <a:rPr sz="1100" dirty="0">
+                <a:latin typeface="Times New Roman"/>
+                <a:cs typeface="Times New Roman"/>
+              </a:rPr>
+              <a:t> </a:t>
+            </a:r>
+            <a:r>
+              <a:rPr sz="1100" spc="-5" dirty="0">
+                <a:latin typeface="Times New Roman"/>
+                <a:cs typeface="Times New Roman"/>
+              </a:rPr>
+              <a:t>32 </a:t>
+            </a:r>
+            <a:r>
+              <a:rPr sz="1100" dirty="0">
+                <a:latin typeface="Times New Roman"/>
+                <a:cs typeface="Times New Roman"/>
+              </a:rPr>
+              <a:t>	</a:t>
+            </a:r>
+            <a:r>
+              <a:rPr sz="1100" spc="-5" dirty="0">
+                <a:latin typeface="Times New Roman"/>
+                <a:cs typeface="Times New Roman"/>
+              </a:rPr>
+              <a:t>165  Lecture No. 33 169  Lecture No. 34 174  Lecture No. 35 179  Lecture No. 36 183  Lecture No. 37 188  Lecture No. 38 193  Lecture No. 39 199  Lecture No. 40 205  Lecture No. 41 210  Lecture No. 42 218  Lecture No. 43 227  Lecture No. 44 233  Lecture No. 45                                                                                                            </a:t>
+            </a:r>
+            <a:r>
+              <a:rPr sz="1100" spc="225" dirty="0">
+                <a:latin typeface="Times New Roman"/>
+                <a:cs typeface="Times New Roman"/>
+              </a:rPr>
+              <a:t> </a:t>
+            </a:r>
+            <a:r>
+              <a:rPr sz="1100" spc="-5" dirty="0">
+                <a:latin typeface="Times New Roman"/>
+                <a:cs typeface="Times New Roman"/>
+              </a:rPr>
+              <a:t>239</a:t>
+            </a:r>
+            <a:endParaRPr sz="1100">
+              <a:latin typeface="Times New Roman"/>
+              <a:cs typeface="Times New Roman"/>
+            </a:endParaRPr>
+          </a:p>
+        </p:txBody>
+      </p:sp>
+      <p:sp>
+        <p:nvSpPr>
+          <p:cNvPr id="7" name="object 7"/>
+          <p:cNvSpPr txBox="1">
+            <a:spLocks noGrp="1"/>
+          </p:cNvSpPr>
+          <p:nvPr>
+            <p:ph type="ftr" sz="quarter" idx="11"/>
+          </p:nvPr>
+        </p:nvSpPr>
+        <p:spPr>
+          <a:prstGeom prst="rect">
+            <a:avLst/>
+          </a:prstGeom>
+        </p:spPr>
+        <p:txBody>
+          <a:bodyPr vert="horz" wrap="square" lIns="0" tIns="0" rIns="0" bIns="0" rtlCol="0">
+            <a:spAutoFit/>
+          </a:bodyPr>
+          <a:lstStyle/>
+          <a:p>
+            <a:pPr marL="12700">
+              <a:lnSpc>
+                <a:spcPts val="1305"/>
+              </a:lnSpc>
+            </a:pPr>
+            <a:r>
+              <a:rPr dirty="0"/>
+              <a:t>© Copyright Virtual University of</a:t>
+            </a:r>
+            <a:r>
+              <a:rPr spc="-100" dirty="0"/>
+              <a:t> </a:t>
+            </a:r>
+            <a:r>
+              <a:rPr dirty="0"/>
+              <a:t>Pakistan</a:t>
+            </a:r>
+          </a:p>
+        </p:txBody>
+      </p:sp>
+      <p:sp>
+        <p:nvSpPr>
+          <p:cNvPr id="8" name="object 8"/>
+          <p:cNvSpPr txBox="1">
+            <a:spLocks noGrp="1"/>
+          </p:cNvSpPr>
+          <p:nvPr>
+            <p:ph type="sldNum" sz="quarter" idx="12"/>
+          </p:nvPr>
+        </p:nvSpPr>
+        <p:spPr>
+          <a:prstGeom prst="rect">
+            <a:avLst/>
+          </a:prstGeom>
+        </p:spPr>
+        <p:txBody>
+          <a:bodyPr vert="horz" wrap="square" lIns="0" tIns="0" rIns="0" bIns="0" rtlCol="0">
+            <a:spAutoFit/>
+          </a:bodyPr>
+          <a:lstStyle/>
+          <a:p>
+            <a:pPr marL="101600">
+              <a:lnSpc>
+                <a:spcPts val="1305"/>
+              </a:lnSpc>
+            </a:pPr>
+            <a:fld id="{81D60167-4931-47E6-BA6A-407CBD079E47}" type="slidenum">
+              <a:rPr dirty="0"/>
+              <a:t>2</a:t>
+            </a:fld>
+            <a:endParaRPr dirty="0"/>
+          </a:p>
+        </p:txBody>
+      </p:sp>
+    </p:spTree>
+    <p:extLst>
+      <p:ext uri="{BB962C8B-B14F-4D97-AF65-F5344CB8AC3E}">
+        <p14:creationId xmlns:p14="http://schemas.microsoft.com/office/powerpoint/2010/main" val="2279925773"/>
+      </p:ext>
+    </p:extLst>
+  </p:cSld>
+  <p:clrMapOvr>
+    <a:masterClrMapping/>
+  </p:clrMapOvr>
+</p:sld>
 </file>
 
 <file path=ppt/theme/theme1.xml><?xml version="1.0" encoding="utf-8"?>
